--- a/Show.pptx
+++ b/Show.pptx
@@ -12,6 +12,12 @@
     <p:sldId id="260" r:id="rId6"/>
     <p:sldId id="261" r:id="rId7"/>
     <p:sldId id="262" r:id="rId8"/>
+    <p:sldId id="263" r:id="rId9"/>
+    <p:sldId id="264" r:id="rId10"/>
+    <p:sldId id="265" r:id="rId11"/>
+    <p:sldId id="266" r:id="rId12"/>
+    <p:sldId id="267" r:id="rId13"/>
+    <p:sldId id="268" r:id="rId14"/>
   </p:sldIdLst>
   <p:sldSz cx="12192000" cy="6858000"/>
   <p:notesSz cx="6858000" cy="9144000"/>
@@ -6118,6 +6124,753 @@
 </p:sld>
 </file>
 
+<file path=ppt/slides/slide10.xml><?xml version="1.0" encoding="utf-8"?>
+<p:sld xmlns:a="http://schemas.openxmlformats.org/drawingml/2006/main" xmlns:r="http://schemas.openxmlformats.org/officeDocument/2006/relationships" xmlns:p="http://schemas.openxmlformats.org/presentationml/2006/main">
+  <p:cSld>
+    <p:spTree>
+      <p:nvGrpSpPr>
+        <p:cNvPr id="1" name=""/>
+        <p:cNvGrpSpPr/>
+        <p:nvPr/>
+      </p:nvGrpSpPr>
+      <p:grpSpPr>
+        <a:xfrm>
+          <a:off x="0" y="0"/>
+          <a:ext cx="0" cy="0"/>
+          <a:chOff x="0" y="0"/>
+          <a:chExt cx="0" cy="0"/>
+        </a:xfrm>
+      </p:grpSpPr>
+      <p:sp>
+        <p:nvSpPr>
+          <p:cNvPr id="2" name="Title 1">
+            <a:extLst>
+              <a:ext uri="{FF2B5EF4-FFF2-40B4-BE49-F238E27FC236}">
+                <a16:creationId xmlns:a16="http://schemas.microsoft.com/office/drawing/2014/main" id="{C4F69968-EC52-4A41-88D8-2FEAC30DAF81}"/>
+              </a:ext>
+            </a:extLst>
+          </p:cNvPr>
+          <p:cNvSpPr>
+            <a:spLocks noGrp="1"/>
+          </p:cNvSpPr>
+          <p:nvPr>
+            <p:ph type="title"/>
+          </p:nvPr>
+        </p:nvSpPr>
+        <p:spPr/>
+        <p:txBody>
+          <a:bodyPr/>
+          <a:lstStyle/>
+          <a:p>
+            <a:r>
+              <a:rPr lang="en-GB" dirty="0"/>
+              <a:t>Git : GitHub</a:t>
+            </a:r>
+          </a:p>
+        </p:txBody>
+      </p:sp>
+      <p:sp>
+        <p:nvSpPr>
+          <p:cNvPr id="3" name="Content Placeholder 2">
+            <a:extLst>
+              <a:ext uri="{FF2B5EF4-FFF2-40B4-BE49-F238E27FC236}">
+                <a16:creationId xmlns:a16="http://schemas.microsoft.com/office/drawing/2014/main" id="{A9C0E44A-50D8-43E1-9809-4C7B991870E4}"/>
+              </a:ext>
+            </a:extLst>
+          </p:cNvPr>
+          <p:cNvSpPr>
+            <a:spLocks noGrp="1"/>
+          </p:cNvSpPr>
+          <p:nvPr>
+            <p:ph idx="1"/>
+          </p:nvPr>
+        </p:nvSpPr>
+        <p:spPr/>
+        <p:txBody>
+          <a:bodyPr/>
+          <a:lstStyle/>
+          <a:p>
+            <a:endParaRPr lang="en-GB" dirty="0"/>
+          </a:p>
+        </p:txBody>
+      </p:sp>
+    </p:spTree>
+    <p:extLst>
+      <p:ext uri="{BB962C8B-B14F-4D97-AF65-F5344CB8AC3E}">
+        <p14:creationId xmlns:p14="http://schemas.microsoft.com/office/powerpoint/2010/main" val="2643681163"/>
+      </p:ext>
+    </p:extLst>
+  </p:cSld>
+  <p:clrMapOvr>
+    <a:masterClrMapping/>
+  </p:clrMapOvr>
+</p:sld>
+</file>
+
+<file path=ppt/slides/slide11.xml><?xml version="1.0" encoding="utf-8"?>
+<p:sld xmlns:a="http://schemas.openxmlformats.org/drawingml/2006/main" xmlns:r="http://schemas.openxmlformats.org/officeDocument/2006/relationships" xmlns:p="http://schemas.openxmlformats.org/presentationml/2006/main">
+  <p:cSld>
+    <p:spTree>
+      <p:nvGrpSpPr>
+        <p:cNvPr id="1" name=""/>
+        <p:cNvGrpSpPr/>
+        <p:nvPr/>
+      </p:nvGrpSpPr>
+      <p:grpSpPr>
+        <a:xfrm>
+          <a:off x="0" y="0"/>
+          <a:ext cx="0" cy="0"/>
+          <a:chOff x="0" y="0"/>
+          <a:chExt cx="0" cy="0"/>
+        </a:xfrm>
+      </p:grpSpPr>
+      <p:sp>
+        <p:nvSpPr>
+          <p:cNvPr id="2" name="Title 1">
+            <a:extLst>
+              <a:ext uri="{FF2B5EF4-FFF2-40B4-BE49-F238E27FC236}">
+                <a16:creationId xmlns:a16="http://schemas.microsoft.com/office/drawing/2014/main" id="{C4F69968-EC52-4A41-88D8-2FEAC30DAF81}"/>
+              </a:ext>
+            </a:extLst>
+          </p:cNvPr>
+          <p:cNvSpPr>
+            <a:spLocks noGrp="1"/>
+          </p:cNvSpPr>
+          <p:nvPr>
+            <p:ph type="title"/>
+          </p:nvPr>
+        </p:nvSpPr>
+        <p:spPr/>
+        <p:txBody>
+          <a:bodyPr/>
+          <a:lstStyle/>
+          <a:p>
+            <a:r>
+              <a:rPr lang="en-GB" dirty="0" err="1"/>
+              <a:t>Bilan</a:t>
+            </a:r>
+            <a:r>
+              <a:rPr lang="en-GB" dirty="0"/>
+              <a:t> </a:t>
+            </a:r>
+            <a:r>
+              <a:rPr lang="en-GB" dirty="0" err="1"/>
+              <a:t>Collectif</a:t>
+            </a:r>
+            <a:r>
+              <a:rPr lang="en-GB" dirty="0"/>
+              <a:t> </a:t>
+            </a:r>
+          </a:p>
+        </p:txBody>
+      </p:sp>
+      <p:sp>
+        <p:nvSpPr>
+          <p:cNvPr id="3" name="Content Placeholder 2">
+            <a:extLst>
+              <a:ext uri="{FF2B5EF4-FFF2-40B4-BE49-F238E27FC236}">
+                <a16:creationId xmlns:a16="http://schemas.microsoft.com/office/drawing/2014/main" id="{A9C0E44A-50D8-43E1-9809-4C7B991870E4}"/>
+              </a:ext>
+            </a:extLst>
+          </p:cNvPr>
+          <p:cNvSpPr>
+            <a:spLocks noGrp="1"/>
+          </p:cNvSpPr>
+          <p:nvPr>
+            <p:ph idx="1"/>
+          </p:nvPr>
+        </p:nvSpPr>
+        <p:spPr/>
+        <p:txBody>
+          <a:bodyPr/>
+          <a:lstStyle/>
+          <a:p>
+            <a:r>
+              <a:rPr lang="en-GB" dirty="0"/>
+              <a:t>Plus </a:t>
+            </a:r>
+            <a:r>
+              <a:rPr lang="en-GB" dirty="0" err="1"/>
+              <a:t>sécurisé</a:t>
+            </a:r>
+            <a:r>
+              <a:rPr lang="en-GB" dirty="0"/>
+              <a:t> que Twitter</a:t>
+            </a:r>
+          </a:p>
+        </p:txBody>
+      </p:sp>
+    </p:spTree>
+    <p:extLst>
+      <p:ext uri="{BB962C8B-B14F-4D97-AF65-F5344CB8AC3E}">
+        <p14:creationId xmlns:p14="http://schemas.microsoft.com/office/powerpoint/2010/main" val="1178328485"/>
+      </p:ext>
+    </p:extLst>
+  </p:cSld>
+  <p:clrMapOvr>
+    <a:masterClrMapping/>
+  </p:clrMapOvr>
+</p:sld>
+</file>
+
+<file path=ppt/slides/slide12.xml><?xml version="1.0" encoding="utf-8"?>
+<p:sld xmlns:a="http://schemas.openxmlformats.org/drawingml/2006/main" xmlns:r="http://schemas.openxmlformats.org/officeDocument/2006/relationships" xmlns:p="http://schemas.openxmlformats.org/presentationml/2006/main">
+  <p:cSld>
+    <p:spTree>
+      <p:nvGrpSpPr>
+        <p:cNvPr id="1" name=""/>
+        <p:cNvGrpSpPr/>
+        <p:nvPr/>
+      </p:nvGrpSpPr>
+      <p:grpSpPr>
+        <a:xfrm>
+          <a:off x="0" y="0"/>
+          <a:ext cx="0" cy="0"/>
+          <a:chOff x="0" y="0"/>
+          <a:chExt cx="0" cy="0"/>
+        </a:xfrm>
+      </p:grpSpPr>
+      <p:sp>
+        <p:nvSpPr>
+          <p:cNvPr id="2" name="Title 1">
+            <a:extLst>
+              <a:ext uri="{FF2B5EF4-FFF2-40B4-BE49-F238E27FC236}">
+                <a16:creationId xmlns:a16="http://schemas.microsoft.com/office/drawing/2014/main" id="{C4F69968-EC52-4A41-88D8-2FEAC30DAF81}"/>
+              </a:ext>
+            </a:extLst>
+          </p:cNvPr>
+          <p:cNvSpPr>
+            <a:spLocks noGrp="1"/>
+          </p:cNvSpPr>
+          <p:nvPr>
+            <p:ph type="title"/>
+          </p:nvPr>
+        </p:nvSpPr>
+        <p:spPr/>
+        <p:txBody>
+          <a:bodyPr/>
+          <a:lstStyle/>
+          <a:p>
+            <a:r>
+              <a:rPr lang="en-GB" dirty="0" err="1"/>
+              <a:t>Bilan</a:t>
+            </a:r>
+            <a:r>
+              <a:rPr lang="en-GB" dirty="0"/>
+              <a:t> </a:t>
+            </a:r>
+            <a:r>
+              <a:rPr lang="en-GB" dirty="0" err="1"/>
+              <a:t>Personnels</a:t>
+            </a:r>
+            <a:endParaRPr lang="en-GB" dirty="0"/>
+          </a:p>
+        </p:txBody>
+      </p:sp>
+      <p:graphicFrame>
+        <p:nvGraphicFramePr>
+          <p:cNvPr id="5" name="Content Placeholder 4">
+            <a:extLst>
+              <a:ext uri="{FF2B5EF4-FFF2-40B4-BE49-F238E27FC236}">
+                <a16:creationId xmlns:a16="http://schemas.microsoft.com/office/drawing/2014/main" id="{4A0296E7-9D52-4545-AFE3-AFEB4ADE390A}"/>
+              </a:ext>
+            </a:extLst>
+          </p:cNvPr>
+          <p:cNvGraphicFramePr>
+            <a:graphicFrameLocks noGrp="1"/>
+          </p:cNvGraphicFramePr>
+          <p:nvPr>
+            <p:ph idx="1"/>
+            <p:extLst>
+              <p:ext uri="{D42A27DB-BD31-4B8C-83A1-F6EECF244321}">
+                <p14:modId xmlns:p14="http://schemas.microsoft.com/office/powerpoint/2010/main" val="4017787776"/>
+              </p:ext>
+            </p:extLst>
+          </p:nvPr>
+        </p:nvGraphicFramePr>
+        <p:xfrm>
+          <a:off x="914400" y="1731963"/>
+          <a:ext cx="10353675" cy="3754120"/>
+        </p:xfrm>
+        <a:graphic>
+          <a:graphicData uri="http://schemas.openxmlformats.org/drawingml/2006/table">
+            <a:tbl>
+              <a:tblPr firstRow="1" bandRow="1">
+                <a:tableStyleId>{5C22544A-7EE6-4342-B048-85BDC9FD1C3A}</a:tableStyleId>
+              </a:tblPr>
+              <a:tblGrid>
+                <a:gridCol w="3451225">
+                  <a:extLst>
+                    <a:ext uri="{9D8B030D-6E8A-4147-A177-3AD203B41FA5}">
+                      <a16:colId xmlns:a16="http://schemas.microsoft.com/office/drawing/2014/main" val="268078978"/>
+                    </a:ext>
+                  </a:extLst>
+                </a:gridCol>
+                <a:gridCol w="3451225">
+                  <a:extLst>
+                    <a:ext uri="{9D8B030D-6E8A-4147-A177-3AD203B41FA5}">
+                      <a16:colId xmlns:a16="http://schemas.microsoft.com/office/drawing/2014/main" val="3449647389"/>
+                    </a:ext>
+                  </a:extLst>
+                </a:gridCol>
+                <a:gridCol w="3451225">
+                  <a:extLst>
+                    <a:ext uri="{9D8B030D-6E8A-4147-A177-3AD203B41FA5}">
+                      <a16:colId xmlns:a16="http://schemas.microsoft.com/office/drawing/2014/main" val="4166496835"/>
+                    </a:ext>
+                  </a:extLst>
+                </a:gridCol>
+              </a:tblGrid>
+              <a:tr h="370840">
+                <a:tc>
+                  <a:txBody>
+                    <a:bodyPr/>
+                    <a:lstStyle/>
+                    <a:p>
+                      <a:r>
+                        <a:rPr lang="en-GB" dirty="0">
+                          <a:solidFill>
+                            <a:schemeClr val="tx2"/>
+                          </a:solidFill>
+                        </a:rPr>
+                        <a:t>Romain </a:t>
+                      </a:r>
+                      <a:r>
+                        <a:rPr lang="en-GB" dirty="0" err="1">
+                          <a:solidFill>
+                            <a:schemeClr val="tx2"/>
+                          </a:solidFill>
+                        </a:rPr>
+                        <a:t>Brisse</a:t>
+                      </a:r>
+                      <a:endParaRPr lang="en-GB" dirty="0">
+                        <a:solidFill>
+                          <a:schemeClr val="tx2"/>
+                        </a:solidFill>
+                      </a:endParaRPr>
+                    </a:p>
+                  </a:txBody>
+                  <a:tcPr/>
+                </a:tc>
+                <a:tc>
+                  <a:txBody>
+                    <a:bodyPr/>
+                    <a:lstStyle/>
+                    <a:p>
+                      <a:r>
+                        <a:rPr lang="en-GB" dirty="0">
+                          <a:solidFill>
+                            <a:schemeClr val="tx2"/>
+                          </a:solidFill>
+                        </a:rPr>
+                        <a:t>Alexis Martin</a:t>
+                      </a:r>
+                    </a:p>
+                  </a:txBody>
+                  <a:tcPr/>
+                </a:tc>
+                <a:tc>
+                  <a:txBody>
+                    <a:bodyPr/>
+                    <a:lstStyle/>
+                    <a:p>
+                      <a:r>
+                        <a:rPr lang="en-GB" dirty="0">
+                          <a:solidFill>
+                            <a:schemeClr val="tx2"/>
+                          </a:solidFill>
+                        </a:rPr>
+                        <a:t>Gabriel Padis</a:t>
+                      </a:r>
+                    </a:p>
+                  </a:txBody>
+                  <a:tcPr/>
+                </a:tc>
+                <a:extLst>
+                  <a:ext uri="{0D108BD9-81ED-4DB2-BD59-A6C34878D82A}">
+                    <a16:rowId xmlns:a16="http://schemas.microsoft.com/office/drawing/2014/main" val="1539539260"/>
+                  </a:ext>
+                </a:extLst>
+              </a:tr>
+              <a:tr h="370840">
+                <a:tc>
+                  <a:txBody>
+                    <a:bodyPr/>
+                    <a:lstStyle/>
+                    <a:p>
+                      <a:endParaRPr lang="en-GB" dirty="0">
+                        <a:solidFill>
+                          <a:schemeClr val="tx2"/>
+                        </a:solidFill>
+                      </a:endParaRPr>
+                    </a:p>
+                    <a:p>
+                      <a:r>
+                        <a:rPr lang="en-GB" dirty="0">
+                          <a:solidFill>
+                            <a:schemeClr val="tx2"/>
+                          </a:solidFill>
+                        </a:rPr>
+                        <a:t>Responsable Design : </a:t>
+                      </a:r>
+                    </a:p>
+                    <a:p>
+                      <a:endParaRPr lang="en-GB" dirty="0">
+                        <a:solidFill>
+                          <a:schemeClr val="tx2"/>
+                        </a:solidFill>
+                      </a:endParaRPr>
+                    </a:p>
+                    <a:p>
+                      <a:endParaRPr lang="en-GB" dirty="0">
+                        <a:solidFill>
+                          <a:schemeClr val="tx2"/>
+                        </a:solidFill>
+                      </a:endParaRPr>
+                    </a:p>
+                    <a:p>
+                      <a:endParaRPr lang="en-GB" dirty="0">
+                        <a:solidFill>
+                          <a:schemeClr val="tx2"/>
+                        </a:solidFill>
+                      </a:endParaRPr>
+                    </a:p>
+                    <a:p>
+                      <a:endParaRPr lang="en-GB" dirty="0">
+                        <a:solidFill>
+                          <a:schemeClr val="tx2"/>
+                        </a:solidFill>
+                      </a:endParaRPr>
+                    </a:p>
+                    <a:p>
+                      <a:endParaRPr lang="en-GB" dirty="0">
+                        <a:solidFill>
+                          <a:schemeClr val="tx2"/>
+                        </a:solidFill>
+                      </a:endParaRPr>
+                    </a:p>
+                    <a:p>
+                      <a:endParaRPr lang="en-GB" dirty="0">
+                        <a:solidFill>
+                          <a:schemeClr val="tx2"/>
+                        </a:solidFill>
+                      </a:endParaRPr>
+                    </a:p>
+                    <a:p>
+                      <a:endParaRPr lang="en-GB" dirty="0">
+                        <a:solidFill>
+                          <a:schemeClr val="tx2"/>
+                        </a:solidFill>
+                      </a:endParaRPr>
+                    </a:p>
+                    <a:p>
+                      <a:endParaRPr lang="en-GB" dirty="0">
+                        <a:solidFill>
+                          <a:schemeClr val="tx2"/>
+                        </a:solidFill>
+                      </a:endParaRPr>
+                    </a:p>
+                    <a:p>
+                      <a:endParaRPr lang="en-GB" dirty="0">
+                        <a:solidFill>
+                          <a:schemeClr val="tx2"/>
+                        </a:solidFill>
+                      </a:endParaRPr>
+                    </a:p>
+                    <a:p>
+                      <a:endParaRPr lang="en-GB" dirty="0">
+                        <a:solidFill>
+                          <a:schemeClr val="tx2"/>
+                        </a:solidFill>
+                      </a:endParaRPr>
+                    </a:p>
+                  </a:txBody>
+                  <a:tcPr>
+                    <a:noFill/>
+                  </a:tcPr>
+                </a:tc>
+                <a:tc>
+                  <a:txBody>
+                    <a:bodyPr/>
+                    <a:lstStyle/>
+                    <a:p>
+                      <a:endParaRPr lang="en-GB" dirty="0">
+                        <a:solidFill>
+                          <a:schemeClr val="tx2"/>
+                        </a:solidFill>
+                      </a:endParaRPr>
+                    </a:p>
+                    <a:p>
+                      <a:r>
+                        <a:rPr lang="en-GB" dirty="0">
+                          <a:solidFill>
+                            <a:schemeClr val="tx2"/>
+                          </a:solidFill>
+                        </a:rPr>
+                        <a:t>Responsable User Information :</a:t>
+                      </a:r>
+                    </a:p>
+                    <a:p>
+                      <a:endParaRPr lang="en-GB" dirty="0">
+                        <a:solidFill>
+                          <a:schemeClr val="tx2"/>
+                        </a:solidFill>
+                      </a:endParaRPr>
+                    </a:p>
+                    <a:p>
+                      <a:r>
+                        <a:rPr lang="en-GB" dirty="0">
+                          <a:solidFill>
+                            <a:schemeClr val="tx2"/>
+                          </a:solidFill>
+                        </a:rPr>
+                        <a:t>	</a:t>
+                      </a:r>
+                    </a:p>
+                  </a:txBody>
+                  <a:tcPr>
+                    <a:noFill/>
+                  </a:tcPr>
+                </a:tc>
+                <a:tc>
+                  <a:txBody>
+                    <a:bodyPr/>
+                    <a:lstStyle/>
+                    <a:p>
+                      <a:endParaRPr lang="en-GB" dirty="0">
+                        <a:solidFill>
+                          <a:schemeClr val="tx2"/>
+                        </a:solidFill>
+                      </a:endParaRPr>
+                    </a:p>
+                    <a:p>
+                      <a:r>
+                        <a:rPr lang="en-GB" dirty="0">
+                          <a:solidFill>
+                            <a:schemeClr val="tx2"/>
+                          </a:solidFill>
+                        </a:rPr>
+                        <a:t>Responsable Base de Données :</a:t>
+                      </a:r>
+                    </a:p>
+                    <a:p>
+                      <a:r>
+                        <a:rPr lang="en-GB" dirty="0">
+                          <a:solidFill>
+                            <a:schemeClr val="tx2"/>
+                          </a:solidFill>
+                        </a:rPr>
+                        <a:t> </a:t>
+                      </a:r>
+                    </a:p>
+                  </a:txBody>
+                  <a:tcPr>
+                    <a:noFill/>
+                  </a:tcPr>
+                </a:tc>
+                <a:extLst>
+                  <a:ext uri="{0D108BD9-81ED-4DB2-BD59-A6C34878D82A}">
+                    <a16:rowId xmlns:a16="http://schemas.microsoft.com/office/drawing/2014/main" val="3274272258"/>
+                  </a:ext>
+                </a:extLst>
+              </a:tr>
+            </a:tbl>
+          </a:graphicData>
+        </a:graphic>
+      </p:graphicFrame>
+    </p:spTree>
+    <p:extLst>
+      <p:ext uri="{BB962C8B-B14F-4D97-AF65-F5344CB8AC3E}">
+        <p14:creationId xmlns:p14="http://schemas.microsoft.com/office/powerpoint/2010/main" val="1867575724"/>
+      </p:ext>
+    </p:extLst>
+  </p:cSld>
+  <p:clrMapOvr>
+    <a:masterClrMapping/>
+  </p:clrMapOvr>
+</p:sld>
+</file>
+
+<file path=ppt/slides/slide13.xml><?xml version="1.0" encoding="utf-8"?>
+<p:sld xmlns:a="http://schemas.openxmlformats.org/drawingml/2006/main" xmlns:r="http://schemas.openxmlformats.org/officeDocument/2006/relationships" xmlns:p="http://schemas.openxmlformats.org/presentationml/2006/main">
+  <p:cSld>
+    <p:spTree>
+      <p:nvGrpSpPr>
+        <p:cNvPr id="1" name=""/>
+        <p:cNvGrpSpPr/>
+        <p:nvPr/>
+      </p:nvGrpSpPr>
+      <p:grpSpPr>
+        <a:xfrm>
+          <a:off x="0" y="0"/>
+          <a:ext cx="0" cy="0"/>
+          <a:chOff x="0" y="0"/>
+          <a:chExt cx="0" cy="0"/>
+        </a:xfrm>
+      </p:grpSpPr>
+      <p:sp>
+        <p:nvSpPr>
+          <p:cNvPr id="2" name="Title 1">
+            <a:extLst>
+              <a:ext uri="{FF2B5EF4-FFF2-40B4-BE49-F238E27FC236}">
+                <a16:creationId xmlns:a16="http://schemas.microsoft.com/office/drawing/2014/main" id="{C4F69968-EC52-4A41-88D8-2FEAC30DAF81}"/>
+              </a:ext>
+            </a:extLst>
+          </p:cNvPr>
+          <p:cNvSpPr>
+            <a:spLocks noGrp="1"/>
+          </p:cNvSpPr>
+          <p:nvPr>
+            <p:ph type="title"/>
+          </p:nvPr>
+        </p:nvSpPr>
+        <p:spPr/>
+        <p:txBody>
+          <a:bodyPr/>
+          <a:lstStyle/>
+          <a:p>
+            <a:r>
+              <a:rPr lang="en-GB" dirty="0"/>
+              <a:t>Sources</a:t>
+            </a:r>
+          </a:p>
+        </p:txBody>
+      </p:sp>
+      <p:sp>
+        <p:nvSpPr>
+          <p:cNvPr id="3" name="Content Placeholder 2">
+            <a:extLst>
+              <a:ext uri="{FF2B5EF4-FFF2-40B4-BE49-F238E27FC236}">
+                <a16:creationId xmlns:a16="http://schemas.microsoft.com/office/drawing/2014/main" id="{A9C0E44A-50D8-43E1-9809-4C7B991870E4}"/>
+              </a:ext>
+            </a:extLst>
+          </p:cNvPr>
+          <p:cNvSpPr>
+            <a:spLocks noGrp="1"/>
+          </p:cNvSpPr>
+          <p:nvPr>
+            <p:ph idx="1"/>
+          </p:nvPr>
+        </p:nvSpPr>
+        <p:spPr/>
+        <p:txBody>
+          <a:bodyPr>
+            <a:noAutofit/>
+          </a:bodyPr>
+          <a:lstStyle/>
+          <a:p>
+            <a:r>
+              <a:rPr lang="en-GB" sz="1200" dirty="0"/>
+              <a:t>https://work.smarchal.com/twbscolor/css/e74c3cc0392becf0f1ffbbbc0</a:t>
+            </a:r>
+          </a:p>
+          <a:p>
+            <a:r>
+              <a:rPr lang="en-GB" sz="1200" dirty="0"/>
+              <a:t>https://openclassrooms.com/courses/prenez-en-main-bootstrap/elements-de-base</a:t>
+            </a:r>
+          </a:p>
+          <a:p>
+            <a:r>
+              <a:rPr lang="en-GB" sz="1200" dirty="0"/>
+              <a:t>https://stackoverflow.com/questions/18529274/change-navbar-color-in-twitter-bootstrap</a:t>
+            </a:r>
+          </a:p>
+          <a:p>
+            <a:r>
+              <a:rPr lang="en-GB" sz="1200" dirty="0"/>
+              <a:t>https://www.w3resource.com/php/function-reference/in_array.php</a:t>
+            </a:r>
+          </a:p>
+          <a:p>
+            <a:r>
+              <a:rPr lang="en-GB" sz="1200" dirty="0"/>
+              <a:t>https://secure.php.net/manual/en/function.array-merge.php</a:t>
+            </a:r>
+          </a:p>
+          <a:p>
+            <a:r>
+              <a:rPr lang="en-GB" sz="1200" dirty="0"/>
+              <a:t>https://secure.php.net/manual/en/function.strcmp.php</a:t>
+            </a:r>
+          </a:p>
+          <a:p>
+            <a:r>
+              <a:rPr lang="en-GB" sz="1200" dirty="0"/>
+              <a:t>https://secure.php.net/manual/en/function.unlink.php</a:t>
+            </a:r>
+          </a:p>
+          <a:p>
+            <a:r>
+              <a:rPr lang="en-GB" sz="1200" dirty="0"/>
+              <a:t>https://www.w3schools.com/jquery/jquery_selectors.asp</a:t>
+            </a:r>
+          </a:p>
+          <a:p>
+            <a:r>
+              <a:rPr lang="en-GB" sz="1200" dirty="0"/>
+              <a:t>https://stackoverflow.com/questions/5404839/how-can-i-refresh-a-page-with-jquery</a:t>
+            </a:r>
+          </a:p>
+          <a:p>
+            <a:r>
+              <a:rPr lang="en-GB" sz="1200" dirty="0"/>
+              <a:t>https://stackoverflow.com/questions/5470729/jquery-get-id-from-class-selector</a:t>
+            </a:r>
+          </a:p>
+          <a:p>
+            <a:r>
+              <a:rPr lang="en-GB" sz="1200" dirty="0"/>
+              <a:t>https://api.jquery.com/jquery.ajax/</a:t>
+            </a:r>
+          </a:p>
+          <a:p>
+            <a:r>
+              <a:rPr lang="en-GB" sz="1200" dirty="0"/>
+              <a:t>https://www.w3schools.com/jquery/jquery_ajax_get_post.asp</a:t>
+            </a:r>
+          </a:p>
+          <a:p>
+            <a:r>
+              <a:rPr lang="en-GB" sz="1200" dirty="0"/>
+              <a:t>https://stackoverflow.com/questions/15576548/how-to-pass-parameters-in-get-requests-with-jquery</a:t>
+            </a:r>
+          </a:p>
+          <a:p>
+            <a:r>
+              <a:rPr lang="en-GB" sz="1200" dirty="0"/>
+              <a:t>https://www.w3schools.com/jsref/met_loc_reload.asp</a:t>
+            </a:r>
+          </a:p>
+          <a:p>
+            <a:endParaRPr lang="en-GB" sz="1200" dirty="0"/>
+          </a:p>
+          <a:p>
+            <a:r>
+              <a:rPr lang="en-GB" sz="1200" dirty="0"/>
+              <a:t>Louis Felix </a:t>
+            </a:r>
+            <a:r>
+              <a:rPr lang="en-GB" sz="1200" dirty="0" err="1"/>
+              <a:t>Galeota</a:t>
+            </a:r>
+            <a:endParaRPr lang="en-GB" sz="1200" dirty="0"/>
+          </a:p>
+        </p:txBody>
+      </p:sp>
+    </p:spTree>
+    <p:extLst>
+      <p:ext uri="{BB962C8B-B14F-4D97-AF65-F5344CB8AC3E}">
+        <p14:creationId xmlns:p14="http://schemas.microsoft.com/office/powerpoint/2010/main" val="3344689899"/>
+      </p:ext>
+    </p:extLst>
+  </p:cSld>
+  <p:clrMapOvr>
+    <a:masterClrMapping/>
+  </p:clrMapOvr>
+</p:sld>
+</file>
+
 <file path=ppt/slides/slide2.xml><?xml version="1.0" encoding="utf-8"?>
 <p:sld xmlns:a="http://schemas.openxmlformats.org/drawingml/2006/main" xmlns:r="http://schemas.openxmlformats.org/officeDocument/2006/relationships" xmlns:p="http://schemas.openxmlformats.org/presentationml/2006/main">
   <p:cSld>
@@ -6330,7 +7083,7 @@
           <a:p>
             <a:r>
               <a:rPr lang="en-GB" dirty="0"/>
-              <a:t>Frontend</a:t>
+              <a:t>Frontend - 1</a:t>
             </a:r>
           </a:p>
         </p:txBody>
@@ -6413,7 +7166,7 @@
           <a:p>
             <a:r>
               <a:rPr lang="en-GB" dirty="0"/>
-              <a:t>Frontend</a:t>
+              <a:t>Frontend - 2</a:t>
             </a:r>
           </a:p>
         </p:txBody>
@@ -6496,7 +7249,7 @@
           <a:p>
             <a:r>
               <a:rPr lang="en-GB" dirty="0"/>
-              <a:t>Frontend</a:t>
+              <a:t>Frontend - 3</a:t>
             </a:r>
           </a:p>
         </p:txBody>
@@ -6578,10 +7331,9 @@
           <a:lstStyle/>
           <a:p>
             <a:r>
-              <a:rPr lang="en-GB"/>
-              <a:t>Technical Specialities</a:t>
-            </a:r>
-            <a:endParaRPr lang="en-GB" dirty="0"/>
+              <a:rPr lang="en-GB" dirty="0"/>
+              <a:t>Solution Techniques - 1</a:t>
+            </a:r>
           </a:p>
         </p:txBody>
       </p:sp>
@@ -6614,6 +7366,172 @@
     <p:extLst>
       <p:ext uri="{BB962C8B-B14F-4D97-AF65-F5344CB8AC3E}">
         <p14:creationId xmlns:p14="http://schemas.microsoft.com/office/powerpoint/2010/main" val="2144228570"/>
+      </p:ext>
+    </p:extLst>
+  </p:cSld>
+  <p:clrMapOvr>
+    <a:masterClrMapping/>
+  </p:clrMapOvr>
+</p:sld>
+</file>
+
+<file path=ppt/slides/slide8.xml><?xml version="1.0" encoding="utf-8"?>
+<p:sld xmlns:a="http://schemas.openxmlformats.org/drawingml/2006/main" xmlns:r="http://schemas.openxmlformats.org/officeDocument/2006/relationships" xmlns:p="http://schemas.openxmlformats.org/presentationml/2006/main">
+  <p:cSld>
+    <p:spTree>
+      <p:nvGrpSpPr>
+        <p:cNvPr id="1" name=""/>
+        <p:cNvGrpSpPr/>
+        <p:nvPr/>
+      </p:nvGrpSpPr>
+      <p:grpSpPr>
+        <a:xfrm>
+          <a:off x="0" y="0"/>
+          <a:ext cx="0" cy="0"/>
+          <a:chOff x="0" y="0"/>
+          <a:chExt cx="0" cy="0"/>
+        </a:xfrm>
+      </p:grpSpPr>
+      <p:sp>
+        <p:nvSpPr>
+          <p:cNvPr id="2" name="Title 1">
+            <a:extLst>
+              <a:ext uri="{FF2B5EF4-FFF2-40B4-BE49-F238E27FC236}">
+                <a16:creationId xmlns:a16="http://schemas.microsoft.com/office/drawing/2014/main" id="{C4F69968-EC52-4A41-88D8-2FEAC30DAF81}"/>
+              </a:ext>
+            </a:extLst>
+          </p:cNvPr>
+          <p:cNvSpPr>
+            <a:spLocks noGrp="1"/>
+          </p:cNvSpPr>
+          <p:nvPr>
+            <p:ph type="title"/>
+          </p:nvPr>
+        </p:nvSpPr>
+        <p:spPr/>
+        <p:txBody>
+          <a:bodyPr/>
+          <a:lstStyle/>
+          <a:p>
+            <a:r>
+              <a:rPr lang="en-GB" dirty="0"/>
+              <a:t>Solution Techniques - 2</a:t>
+            </a:r>
+          </a:p>
+        </p:txBody>
+      </p:sp>
+      <p:sp>
+        <p:nvSpPr>
+          <p:cNvPr id="3" name="Content Placeholder 2">
+            <a:extLst>
+              <a:ext uri="{FF2B5EF4-FFF2-40B4-BE49-F238E27FC236}">
+                <a16:creationId xmlns:a16="http://schemas.microsoft.com/office/drawing/2014/main" id="{A9C0E44A-50D8-43E1-9809-4C7B991870E4}"/>
+              </a:ext>
+            </a:extLst>
+          </p:cNvPr>
+          <p:cNvSpPr>
+            <a:spLocks noGrp="1"/>
+          </p:cNvSpPr>
+          <p:nvPr>
+            <p:ph idx="1"/>
+          </p:nvPr>
+        </p:nvSpPr>
+        <p:spPr/>
+        <p:txBody>
+          <a:bodyPr/>
+          <a:lstStyle/>
+          <a:p>
+            <a:endParaRPr lang="en-GB" dirty="0"/>
+          </a:p>
+        </p:txBody>
+      </p:sp>
+    </p:spTree>
+    <p:extLst>
+      <p:ext uri="{BB962C8B-B14F-4D97-AF65-F5344CB8AC3E}">
+        <p14:creationId xmlns:p14="http://schemas.microsoft.com/office/powerpoint/2010/main" val="897156958"/>
+      </p:ext>
+    </p:extLst>
+  </p:cSld>
+  <p:clrMapOvr>
+    <a:masterClrMapping/>
+  </p:clrMapOvr>
+</p:sld>
+</file>
+
+<file path=ppt/slides/slide9.xml><?xml version="1.0" encoding="utf-8"?>
+<p:sld xmlns:a="http://schemas.openxmlformats.org/drawingml/2006/main" xmlns:r="http://schemas.openxmlformats.org/officeDocument/2006/relationships" xmlns:p="http://schemas.openxmlformats.org/presentationml/2006/main">
+  <p:cSld>
+    <p:spTree>
+      <p:nvGrpSpPr>
+        <p:cNvPr id="1" name=""/>
+        <p:cNvGrpSpPr/>
+        <p:nvPr/>
+      </p:nvGrpSpPr>
+      <p:grpSpPr>
+        <a:xfrm>
+          <a:off x="0" y="0"/>
+          <a:ext cx="0" cy="0"/>
+          <a:chOff x="0" y="0"/>
+          <a:chExt cx="0" cy="0"/>
+        </a:xfrm>
+      </p:grpSpPr>
+      <p:sp>
+        <p:nvSpPr>
+          <p:cNvPr id="2" name="Title 1">
+            <a:extLst>
+              <a:ext uri="{FF2B5EF4-FFF2-40B4-BE49-F238E27FC236}">
+                <a16:creationId xmlns:a16="http://schemas.microsoft.com/office/drawing/2014/main" id="{C4F69968-EC52-4A41-88D8-2FEAC30DAF81}"/>
+              </a:ext>
+            </a:extLst>
+          </p:cNvPr>
+          <p:cNvSpPr>
+            <a:spLocks noGrp="1"/>
+          </p:cNvSpPr>
+          <p:nvPr>
+            <p:ph type="title"/>
+          </p:nvPr>
+        </p:nvSpPr>
+        <p:spPr/>
+        <p:txBody>
+          <a:bodyPr/>
+          <a:lstStyle/>
+          <a:p>
+            <a:r>
+              <a:rPr lang="en-GB" dirty="0"/>
+              <a:t>Solution Techniques - 3</a:t>
+            </a:r>
+          </a:p>
+        </p:txBody>
+      </p:sp>
+      <p:sp>
+        <p:nvSpPr>
+          <p:cNvPr id="3" name="Content Placeholder 2">
+            <a:extLst>
+              <a:ext uri="{FF2B5EF4-FFF2-40B4-BE49-F238E27FC236}">
+                <a16:creationId xmlns:a16="http://schemas.microsoft.com/office/drawing/2014/main" id="{A9C0E44A-50D8-43E1-9809-4C7B991870E4}"/>
+              </a:ext>
+            </a:extLst>
+          </p:cNvPr>
+          <p:cNvSpPr>
+            <a:spLocks noGrp="1"/>
+          </p:cNvSpPr>
+          <p:nvPr>
+            <p:ph idx="1"/>
+          </p:nvPr>
+        </p:nvSpPr>
+        <p:spPr/>
+        <p:txBody>
+          <a:bodyPr/>
+          <a:lstStyle/>
+          <a:p>
+            <a:endParaRPr lang="en-GB" dirty="0"/>
+          </a:p>
+        </p:txBody>
+      </p:sp>
+    </p:spTree>
+    <p:extLst>
+      <p:ext uri="{BB962C8B-B14F-4D97-AF65-F5344CB8AC3E}">
+        <p14:creationId xmlns:p14="http://schemas.microsoft.com/office/powerpoint/2010/main" val="2484512012"/>
       </p:ext>
     </p:extLst>
   </p:cSld>

--- a/Show.pptx
+++ b/Show.pptx
@@ -6088,24 +6088,19 @@
           <a:lstStyle/>
           <a:p>
             <a:r>
-              <a:rPr lang="en-GB" dirty="0"/>
-              <a:t>Romain </a:t>
-            </a:r>
-            <a:r>
-              <a:rPr lang="en-GB" dirty="0" err="1"/>
-              <a:t>Brisse</a:t>
-            </a:r>
-            <a:endParaRPr lang="en-GB" dirty="0"/>
-          </a:p>
-          <a:p>
-            <a:r>
-              <a:rPr lang="en-GB" dirty="0"/>
+              <a:rPr lang="fr-FR"/>
+              <a:t>Romain Brisse</a:t>
+            </a:r>
+          </a:p>
+          <a:p>
+            <a:r>
+              <a:rPr lang="fr-FR"/>
               <a:t>Alexis Martin</a:t>
             </a:r>
           </a:p>
           <a:p>
             <a:r>
-              <a:rPr lang="en-GB" dirty="0"/>
+              <a:rPr lang="fr-FR"/>
               <a:t>Gabriel Padis</a:t>
             </a:r>
           </a:p>
@@ -6127,6 +6122,26 @@
 <file path=ppt/slides/slide10.xml><?xml version="1.0" encoding="utf-8"?>
 <p:sld xmlns:a="http://schemas.openxmlformats.org/drawingml/2006/main" xmlns:r="http://schemas.openxmlformats.org/officeDocument/2006/relationships" xmlns:p="http://schemas.openxmlformats.org/presentationml/2006/main">
   <p:cSld>
+    <p:bg>
+      <p:bgPr>
+        <a:blipFill rotWithShape="1">
+          <a:blip r:embed="rId2">
+            <a:duotone>
+              <a:schemeClr val="bg2">
+                <a:shade val="80000"/>
+                <a:lumMod val="80000"/>
+              </a:schemeClr>
+              <a:schemeClr val="bg2">
+                <a:tint val="98000"/>
+              </a:schemeClr>
+            </a:duotone>
+            <a:extLst/>
+          </a:blip>
+          <a:stretch/>
+        </a:blipFill>
+        <a:effectLst/>
+      </p:bgPr>
+    </p:bg>
     <p:spTree>
       <p:nvGrpSpPr>
         <p:cNvPr id="1" name=""/>
@@ -6141,6 +6156,82 @@
           <a:chExt cx="0" cy="0"/>
         </a:xfrm>
       </p:grpSpPr>
+      <p:pic>
+        <p:nvPicPr>
+          <p:cNvPr id="13" name="Picture 10">
+            <a:extLst>
+              <a:ext uri="{FF2B5EF4-FFF2-40B4-BE49-F238E27FC236}">
+                <a16:creationId xmlns:a16="http://schemas.microsoft.com/office/drawing/2014/main" id="{B536FA4E-0152-4E27-91DA-0FC22D1846BB}"/>
+              </a:ext>
+            </a:extLst>
+          </p:cNvPr>
+          <p:cNvPicPr>
+            <a:picLocks noGrp="1" noRot="1" noChangeAspect="1" noMove="1" noResize="1" noEditPoints="1" noAdjustHandles="1" noChangeArrowheads="1" noChangeShapeType="1" noCrop="1"/>
+          </p:cNvPicPr>
+          <p:nvPr>
+            <p:extLst>
+              <p:ext uri="{386F3935-93C4-4BCD-93E2-E3B085C9AB24}">
+                <p16:designElem xmlns:p16="http://schemas.microsoft.com/office/powerpoint/2015/main" val="1"/>
+              </p:ext>
+            </p:extLst>
+          </p:nvPr>
+        </p:nvPicPr>
+        <p:blipFill rotWithShape="1">
+          <a:blip r:embed="rId3">
+            <a:extLst>
+              <a:ext uri="{28A0092B-C50C-407E-A947-70E740481C1C}">
+                <a14:useLocalDpi xmlns:a14="http://schemas.microsoft.com/office/drawing/2010/main" val="0"/>
+              </a:ext>
+            </a:extLst>
+          </a:blip>
+          <a:srcRect t="964" r="2807" b="1446"/>
+          <a:stretch/>
+        </p:blipFill>
+        <p:spPr>
+          <a:xfrm>
+            <a:off x="4552950" y="1"/>
+            <a:ext cx="7639050" cy="6858000"/>
+          </a:xfrm>
+          <a:prstGeom prst="rect">
+            <a:avLst/>
+          </a:prstGeom>
+        </p:spPr>
+      </p:pic>
+      <p:pic>
+        <p:nvPicPr>
+          <p:cNvPr id="6" name="Picture 5" descr="A screenshot of a computer&#10;&#10;Description generated with very high confidence">
+            <a:extLst>
+              <a:ext uri="{FF2B5EF4-FFF2-40B4-BE49-F238E27FC236}">
+                <a16:creationId xmlns:a16="http://schemas.microsoft.com/office/drawing/2014/main" id="{1FC854DB-522F-4AD8-AA20-4EF3E689B867}"/>
+              </a:ext>
+            </a:extLst>
+          </p:cNvPr>
+          <p:cNvPicPr>
+            <a:picLocks noChangeAspect="1"/>
+          </p:cNvPicPr>
+          <p:nvPr/>
+        </p:nvPicPr>
+        <p:blipFill rotWithShape="1">
+          <a:blip r:embed="rId4">
+            <a:extLst>
+              <a:ext uri="{28A0092B-C50C-407E-A947-70E740481C1C}">
+                <a14:useLocalDpi xmlns:a14="http://schemas.microsoft.com/office/drawing/2010/main" val="0"/>
+              </a:ext>
+            </a:extLst>
+          </a:blip>
+          <a:srcRect r="43120" b="-1"/>
+          <a:stretch/>
+        </p:blipFill>
+        <p:spPr>
+          <a:xfrm>
+            <a:off x="4775593" y="308446"/>
+            <a:ext cx="6859681" cy="6241107"/>
+          </a:xfrm>
+          <a:prstGeom prst="rect">
+            <a:avLst/>
+          </a:prstGeom>
+        </p:spPr>
+      </p:pic>
       <p:sp>
         <p:nvSpPr>
           <p:cNvPr id="2" name="Title 1">
@@ -6157,13 +6248,21 @@
             <p:ph type="title"/>
           </p:nvPr>
         </p:nvSpPr>
-        <p:spPr/>
-        <p:txBody>
-          <a:bodyPr/>
-          <a:lstStyle/>
-          <a:p>
-            <a:r>
-              <a:rPr lang="en-GB" dirty="0"/>
+        <p:spPr>
+          <a:xfrm>
+            <a:off x="913795" y="609600"/>
+            <a:ext cx="3078749" cy="970450"/>
+          </a:xfrm>
+        </p:spPr>
+        <p:txBody>
+          <a:bodyPr anchor="b">
+            <a:normAutofit/>
+          </a:bodyPr>
+          <a:lstStyle/>
+          <a:p>
+            <a:pPr algn="l"/>
+            <a:r>
+              <a:rPr lang="en-GB" sz="2800"/>
               <a:t>Git : GitHub</a:t>
             </a:r>
           </a:p>
@@ -6185,12 +6284,28 @@
             <p:ph idx="1"/>
           </p:nvPr>
         </p:nvSpPr>
-        <p:spPr/>
-        <p:txBody>
-          <a:bodyPr/>
-          <a:lstStyle/>
-          <a:p>
-            <a:endParaRPr lang="en-GB" dirty="0"/>
+        <p:spPr>
+          <a:xfrm>
+            <a:off x="913795" y="1732449"/>
+            <a:ext cx="3078749" cy="4058751"/>
+          </a:xfrm>
+        </p:spPr>
+        <p:txBody>
+          <a:bodyPr anchor="t">
+            <a:normAutofit/>
+          </a:bodyPr>
+          <a:lstStyle/>
+          <a:p>
+            <a:r>
+              <a:rPr lang="en-GB" sz="1600">
+                <a:hlinkClick r:id="rId5"/>
+              </a:rPr>
+              <a:t>https://github.com/Soultoe/LinkedECE</a:t>
+            </a:r>
+            <a:endParaRPr lang="en-GB" sz="1600"/>
+          </a:p>
+          <a:p>
+            <a:endParaRPr lang="en-GB" sz="1600"/>
           </a:p>
         </p:txBody>
       </p:sp>
@@ -6287,16 +6402,111 @@
           <a:p>
             <a:r>
               <a:rPr lang="en-GB" dirty="0"/>
-              <a:t>Plus </a:t>
-            </a:r>
+              <a:t>Plus sécurisé que Twitter</a:t>
+            </a:r>
+          </a:p>
+          <a:p>
             <a:r>
               <a:rPr lang="en-GB" dirty="0" err="1"/>
-              <a:t>sécurisé</a:t>
+              <a:t>Intéressant</a:t>
             </a:r>
             <a:r>
               <a:rPr lang="en-GB" dirty="0"/>
-              <a:t> que Twitter</a:t>
-            </a:r>
+              <a:t> </a:t>
+            </a:r>
+            <a:r>
+              <a:rPr lang="en-GB" dirty="0" err="1"/>
+              <a:t>mais</a:t>
+            </a:r>
+            <a:r>
+              <a:rPr lang="en-GB" dirty="0"/>
+              <a:t> </a:t>
+            </a:r>
+            <a:r>
+              <a:rPr lang="en-GB" dirty="0" err="1"/>
+              <a:t>réalisable</a:t>
+            </a:r>
+            <a:r>
+              <a:rPr lang="en-GB" dirty="0"/>
+              <a:t> </a:t>
+            </a:r>
+            <a:r>
+              <a:rPr lang="en-GB" dirty="0" err="1"/>
+              <a:t>seulement</a:t>
+            </a:r>
+            <a:r>
+              <a:rPr lang="en-GB" dirty="0"/>
+              <a:t> à 100% par les </a:t>
+            </a:r>
+            <a:r>
+              <a:rPr lang="en-GB" dirty="0" err="1"/>
+              <a:t>meilleurs</a:t>
+            </a:r>
+            <a:r>
+              <a:rPr lang="en-GB" dirty="0"/>
+              <a:t> </a:t>
+            </a:r>
+            <a:r>
+              <a:rPr lang="en-GB" dirty="0" err="1"/>
+              <a:t>élèves</a:t>
+            </a:r>
+            <a:endParaRPr lang="en-GB" dirty="0"/>
+          </a:p>
+          <a:p>
+            <a:r>
+              <a:rPr lang="en-GB" dirty="0"/>
+              <a:t>Proof of concept </a:t>
+            </a:r>
+            <a:r>
+              <a:rPr lang="en-GB" dirty="0" err="1"/>
+              <a:t>plutot</a:t>
+            </a:r>
+            <a:r>
+              <a:rPr lang="en-GB" dirty="0"/>
+              <a:t> que </a:t>
+            </a:r>
+            <a:r>
+              <a:rPr lang="en-GB" dirty="0" err="1"/>
+              <a:t>quelque</a:t>
+            </a:r>
+            <a:r>
+              <a:rPr lang="en-GB" dirty="0"/>
+              <a:t> chose </a:t>
+            </a:r>
+            <a:r>
+              <a:rPr lang="en-GB" dirty="0" err="1"/>
+              <a:t>d’utilisable</a:t>
+            </a:r>
+            <a:endParaRPr lang="en-GB" dirty="0"/>
+          </a:p>
+          <a:p>
+            <a:r>
+              <a:rPr lang="en-GB" dirty="0"/>
+              <a:t>Explication du CDC à revoir</a:t>
+            </a:r>
+          </a:p>
+          <a:p>
+            <a:r>
+              <a:rPr lang="en-GB" dirty="0" err="1"/>
+              <a:t>Intéressant</a:t>
+            </a:r>
+            <a:r>
+              <a:rPr lang="en-GB" dirty="0"/>
+              <a:t> </a:t>
+            </a:r>
+            <a:r>
+              <a:rPr lang="en-GB" dirty="0" err="1"/>
+              <a:t>d’approfondir</a:t>
+            </a:r>
+            <a:r>
+              <a:rPr lang="en-GB" dirty="0"/>
+              <a:t> les interactions entre </a:t>
+            </a:r>
+            <a:r>
+              <a:rPr lang="en-GB" dirty="0" err="1"/>
+              <a:t>langages</a:t>
+            </a:r>
+            <a:endParaRPr lang="en-GB" dirty="0"/>
           </a:p>
         </p:txBody>
       </p:sp>
@@ -6353,7 +6563,7 @@
           <a:p>
             <a:r>
               <a:rPr lang="en-GB" dirty="0" err="1"/>
-              <a:t>Bilan</a:t>
+              <a:t>Bilans</a:t>
             </a:r>
             <a:r>
               <a:rPr lang="en-GB" dirty="0"/>
@@ -6383,14 +6593,14 @@
             <p:ph idx="1"/>
             <p:extLst>
               <p:ext uri="{D42A27DB-BD31-4B8C-83A1-F6EECF244321}">
-                <p14:modId xmlns:p14="http://schemas.microsoft.com/office/powerpoint/2010/main" val="4017787776"/>
+                <p14:modId xmlns:p14="http://schemas.microsoft.com/office/powerpoint/2010/main" val="668288134"/>
               </p:ext>
             </p:extLst>
           </p:nvPr>
         </p:nvGraphicFramePr>
         <p:xfrm>
           <a:off x="914400" y="1731963"/>
-          <a:ext cx="10353675" cy="3754120"/>
+          <a:ext cx="10353675" cy="3479800"/>
         </p:xfrm>
         <a:graphic>
           <a:graphicData uri="http://schemas.openxmlformats.org/drawingml/2006/table">
@@ -6522,13 +6732,22 @@
                       </a:endParaRPr>
                     </a:p>
                     <a:p>
-                      <a:endParaRPr lang="en-GB" dirty="0">
-                        <a:solidFill>
-                          <a:schemeClr val="tx2"/>
-                        </a:solidFill>
-                      </a:endParaRPr>
-                    </a:p>
-                    <a:p>
+                      <a:r>
+                        <a:rPr lang="en-GB" dirty="0">
+                          <a:solidFill>
+                            <a:schemeClr val="tx2"/>
+                          </a:solidFill>
+                        </a:rPr>
+                        <a:t>Bootstrap  : </a:t>
+                      </a:r>
+                      <a:r>
+                        <a:rPr lang="en-GB" dirty="0" err="1">
+                          <a:solidFill>
+                            <a:schemeClr val="tx2"/>
+                          </a:solidFill>
+                        </a:rPr>
+                        <a:t>Génial</a:t>
+                      </a:r>
                       <a:endParaRPr lang="en-GB" dirty="0">
                         <a:solidFill>
                           <a:schemeClr val="tx2"/>
@@ -6618,14 +6837,11 @@
                       </a:endParaRPr>
                     </a:p>
                     <a:p>
-                      <a:r>
-                        <a:rPr lang="en-GB" dirty="0">
-                          <a:solidFill>
-                            <a:schemeClr val="tx2"/>
-                          </a:solidFill>
-                        </a:rPr>
-                        <a:t>	</a:t>
-                      </a:r>
+                      <a:endParaRPr lang="en-GB" dirty="0">
+                        <a:solidFill>
+                          <a:schemeClr val="tx2"/>
+                        </a:solidFill>
+                      </a:endParaRPr>
                     </a:p>
                   </a:txBody>
                   <a:tcPr>
@@ -6662,6 +6878,13 @@
                         </a:rPr>
                         <a:t> </a:t>
                       </a:r>
+                    </a:p>
+                    <a:p>
+                      <a:endParaRPr lang="en-GB" dirty="0">
+                        <a:solidFill>
+                          <a:schemeClr val="tx2"/>
+                        </a:solidFill>
+                      </a:endParaRPr>
                     </a:p>
                   </a:txBody>
                   <a:tcPr>
@@ -7005,31 +7228,41 @@
           </a:p>
         </p:txBody>
       </p:sp>
-      <p:sp>
-        <p:nvSpPr>
-          <p:cNvPr id="3" name="Content Placeholder 2">
+      <p:pic>
+        <p:nvPicPr>
+          <p:cNvPr id="5" name="Content Placeholder 4" descr="A close up of a map&#10;&#10;Description generated with very high confidence">
             <a:extLst>
               <a:ext uri="{FF2B5EF4-FFF2-40B4-BE49-F238E27FC236}">
-                <a16:creationId xmlns:a16="http://schemas.microsoft.com/office/drawing/2014/main" id="{A9C0E44A-50D8-43E1-9809-4C7B991870E4}"/>
+                <a16:creationId xmlns:a16="http://schemas.microsoft.com/office/drawing/2014/main" id="{73CE06C2-72FD-415D-B3ED-BFCF45978ED2}"/>
               </a:ext>
             </a:extLst>
           </p:cNvPr>
-          <p:cNvSpPr>
-            <a:spLocks noGrp="1"/>
-          </p:cNvSpPr>
+          <p:cNvPicPr>
+            <a:picLocks noGrp="1" noChangeAspect="1"/>
+          </p:cNvPicPr>
           <p:nvPr>
             <p:ph idx="1"/>
           </p:nvPr>
-        </p:nvSpPr>
-        <p:spPr/>
-        <p:txBody>
-          <a:bodyPr/>
-          <a:lstStyle/>
-          <a:p>
-            <a:endParaRPr lang="en-GB" dirty="0"/>
-          </a:p>
-        </p:txBody>
-      </p:sp>
+        </p:nvPicPr>
+        <p:blipFill>
+          <a:blip r:embed="rId2">
+            <a:extLst>
+              <a:ext uri="{28A0092B-C50C-407E-A947-70E740481C1C}">
+                <a14:useLocalDpi xmlns:a14="http://schemas.microsoft.com/office/drawing/2010/main" val="0"/>
+              </a:ext>
+            </a:extLst>
+          </a:blip>
+          <a:stretch>
+            <a:fillRect/>
+          </a:stretch>
+        </p:blipFill>
+        <p:spPr>
+          <a:xfrm>
+            <a:off x="2331564" y="1580050"/>
+            <a:ext cx="7518224" cy="5225194"/>
+          </a:xfrm>
+        </p:spPr>
+      </p:pic>
     </p:spTree>
     <p:extLst>
       <p:ext uri="{BB962C8B-B14F-4D97-AF65-F5344CB8AC3E}">
@@ -7358,7 +7591,10 @@
           <a:bodyPr/>
           <a:lstStyle/>
           <a:p>
-            <a:endParaRPr lang="en-GB" dirty="0"/>
+            <a:r>
+              <a:rPr lang="en-GB" dirty="0"/>
+              <a:t>MySQL</a:t>
+            </a:r>
           </a:p>
         </p:txBody>
       </p:sp>
@@ -7441,6 +7677,16 @@
           <a:bodyPr/>
           <a:lstStyle/>
           <a:p>
+            <a:r>
+              <a:rPr lang="en-GB" dirty="0"/>
+              <a:t>PHP</a:t>
+            </a:r>
+          </a:p>
+          <a:p>
+            <a:r>
+              <a:rPr lang="en-GB" dirty="0" err="1"/>
+              <a:t>JQuery</a:t>
+            </a:r>
             <a:endParaRPr lang="en-GB" dirty="0"/>
           </a:p>
         </p:txBody>
@@ -7524,7 +7770,10 @@
           <a:bodyPr/>
           <a:lstStyle/>
           <a:p>
-            <a:endParaRPr lang="en-GB" dirty="0"/>
+            <a:r>
+              <a:rPr lang="en-GB" dirty="0"/>
+              <a:t>Bootstrap CSS</a:t>
+            </a:r>
           </a:p>
         </p:txBody>
       </p:sp>
